--- a/dengue disease detection 3.pptx
+++ b/dengue disease detection 3.pptx
@@ -7322,9 +7322,10 @@
           <a:lstStyle/>
           <a:p>
             <a:r>
-              <a:rPr lang="en-US" dirty="0"/>
-              <a:t>TECHNOLOGIES</a:t>
-            </a:r>
+              <a:rPr lang="en-US" dirty="0" smtClean="0"/>
+              <a:t>TECHNOLOGIES USED</a:t>
+            </a:r>
+            <a:endParaRPr lang="en-US" dirty="0"/>
           </a:p>
         </p:txBody>
       </p:sp>
@@ -7394,7 +7395,6 @@
               <a:rPr lang="en-IN" altLang="en-US" dirty="0" smtClean="0"/>
               <a:t>HTML</a:t>
             </a:r>
-            <a:endParaRPr lang="en-IN" altLang="en-US" dirty="0" smtClean="0"/>
           </a:p>
           <a:p>
             <a:endParaRPr lang="en-IN" altLang="en-US" sz="2000" dirty="0"/>
@@ -7446,7 +7446,7 @@
           <p:cNvPr id="2" name="Title 1">
             <a:extLst>
               <a:ext uri="{FF2B5EF4-FFF2-40B4-BE49-F238E27FC236}">
-                <a16:creationId xmlns:a16="http://schemas.microsoft.com/office/drawing/2014/main" xmlns="" id="{22F71F22-718B-410C-A02A-9BD19987795D}"/>
+                <a16:creationId xmlns="" xmlns:a16="http://schemas.microsoft.com/office/drawing/2014/main" id="{22F71F22-718B-410C-A02A-9BD19987795D}"/>
               </a:ext>
             </a:extLst>
           </p:cNvPr>
@@ -7481,7 +7481,7 @@
           <p:cNvPr id="5" name="Picture 4">
             <a:extLst>
               <a:ext uri="{FF2B5EF4-FFF2-40B4-BE49-F238E27FC236}">
-                <a16:creationId xmlns:a16="http://schemas.microsoft.com/office/drawing/2014/main" xmlns="" id="{9C24C10B-5560-4184-8FD6-90142C785F9D}"/>
+                <a16:creationId xmlns="" xmlns:a16="http://schemas.microsoft.com/office/drawing/2014/main" id="{9C24C10B-5560-4184-8FD6-90142C785F9D}"/>
               </a:ext>
             </a:extLst>
           </p:cNvPr>
@@ -7517,7 +7517,7 @@
           <p:cNvPr id="7" name="Picture 6">
             <a:extLst>
               <a:ext uri="{FF2B5EF4-FFF2-40B4-BE49-F238E27FC236}">
-                <a16:creationId xmlns:a16="http://schemas.microsoft.com/office/drawing/2014/main" xmlns="" id="{6E7F8EC8-DC54-47CC-9580-09275709D350}"/>
+                <a16:creationId xmlns="" xmlns:a16="http://schemas.microsoft.com/office/drawing/2014/main" id="{6E7F8EC8-DC54-47CC-9580-09275709D350}"/>
               </a:ext>
             </a:extLst>
           </p:cNvPr>
@@ -7553,7 +7553,7 @@
           <p:cNvPr id="9" name="Picture 8">
             <a:extLst>
               <a:ext uri="{FF2B5EF4-FFF2-40B4-BE49-F238E27FC236}">
-                <a16:creationId xmlns:a16="http://schemas.microsoft.com/office/drawing/2014/main" xmlns="" id="{C22E9EFB-346B-41EC-AF40-2E01F06F2BA0}"/>
+                <a16:creationId xmlns="" xmlns:a16="http://schemas.microsoft.com/office/drawing/2014/main" id="{C22E9EFB-346B-41EC-AF40-2E01F06F2BA0}"/>
               </a:ext>
             </a:extLst>
           </p:cNvPr>
@@ -7589,7 +7589,7 @@
           <p:cNvPr id="11" name="Picture 10">
             <a:extLst>
               <a:ext uri="{FF2B5EF4-FFF2-40B4-BE49-F238E27FC236}">
-                <a16:creationId xmlns:a16="http://schemas.microsoft.com/office/drawing/2014/main" xmlns="" id="{ABE3BEAB-5A35-456D-B49A-DC48BEC3DBFC}"/>
+                <a16:creationId xmlns="" xmlns:a16="http://schemas.microsoft.com/office/drawing/2014/main" id="{ABE3BEAB-5A35-456D-B49A-DC48BEC3DBFC}"/>
               </a:ext>
             </a:extLst>
           </p:cNvPr>
@@ -7625,7 +7625,7 @@
           <p:cNvPr id="13" name="Picture 12">
             <a:extLst>
               <a:ext uri="{FF2B5EF4-FFF2-40B4-BE49-F238E27FC236}">
-                <a16:creationId xmlns:a16="http://schemas.microsoft.com/office/drawing/2014/main" xmlns="" id="{A0519486-25DE-4E11-A1D7-1524FA67BB5E}"/>
+                <a16:creationId xmlns="" xmlns:a16="http://schemas.microsoft.com/office/drawing/2014/main" id="{A0519486-25DE-4E11-A1D7-1524FA67BB5E}"/>
               </a:ext>
             </a:extLst>
           </p:cNvPr>
@@ -7661,7 +7661,7 @@
           <p:cNvPr id="15" name="Picture 14">
             <a:extLst>
               <a:ext uri="{FF2B5EF4-FFF2-40B4-BE49-F238E27FC236}">
-                <a16:creationId xmlns:a16="http://schemas.microsoft.com/office/drawing/2014/main" xmlns="" id="{5DA9D995-45ED-4D03-8F3A-4FA15310DA86}"/>
+                <a16:creationId xmlns="" xmlns:a16="http://schemas.microsoft.com/office/drawing/2014/main" id="{5DA9D995-45ED-4D03-8F3A-4FA15310DA86}"/>
               </a:ext>
             </a:extLst>
           </p:cNvPr>
@@ -7697,7 +7697,7 @@
           <p:cNvPr id="17" name="Picture 16">
             <a:extLst>
               <a:ext uri="{FF2B5EF4-FFF2-40B4-BE49-F238E27FC236}">
-                <a16:creationId xmlns:a16="http://schemas.microsoft.com/office/drawing/2014/main" xmlns="" id="{CA31A435-B93C-48C4-915B-6427D3B05EA6}"/>
+                <a16:creationId xmlns="" xmlns:a16="http://schemas.microsoft.com/office/drawing/2014/main" id="{CA31A435-B93C-48C4-915B-6427D3B05EA6}"/>
               </a:ext>
             </a:extLst>
           </p:cNvPr>
@@ -7733,7 +7733,7 @@
           <p:cNvPr id="19" name="Picture 18">
             <a:extLst>
               <a:ext uri="{FF2B5EF4-FFF2-40B4-BE49-F238E27FC236}">
-                <a16:creationId xmlns:a16="http://schemas.microsoft.com/office/drawing/2014/main" xmlns="" id="{68912D5F-EC7F-4062-84E1-D19EE3C7EF15}"/>
+                <a16:creationId xmlns="" xmlns:a16="http://schemas.microsoft.com/office/drawing/2014/main" id="{68912D5F-EC7F-4062-84E1-D19EE3C7EF15}"/>
               </a:ext>
             </a:extLst>
           </p:cNvPr>
@@ -7769,7 +7769,7 @@
           <p:cNvPr id="21" name="Picture 20">
             <a:extLst>
               <a:ext uri="{FF2B5EF4-FFF2-40B4-BE49-F238E27FC236}">
-                <a16:creationId xmlns:a16="http://schemas.microsoft.com/office/drawing/2014/main" xmlns="" id="{E0C637B4-F18C-4D6F-BDB7-711F986FD4CC}"/>
+                <a16:creationId xmlns="" xmlns:a16="http://schemas.microsoft.com/office/drawing/2014/main" id="{E0C637B4-F18C-4D6F-BDB7-711F986FD4CC}"/>
               </a:ext>
             </a:extLst>
           </p:cNvPr>
@@ -7805,7 +7805,7 @@
           <p:cNvPr id="22" name="TextBox 21">
             <a:extLst>
               <a:ext uri="{FF2B5EF4-FFF2-40B4-BE49-F238E27FC236}">
-                <a16:creationId xmlns:a16="http://schemas.microsoft.com/office/drawing/2014/main" xmlns="" id="{9AD50913-6182-4A83-9AE2-80826AAE2763}"/>
+                <a16:creationId xmlns="" xmlns:a16="http://schemas.microsoft.com/office/drawing/2014/main" id="{9AD50913-6182-4A83-9AE2-80826AAE2763}"/>
               </a:ext>
             </a:extLst>
           </p:cNvPr>
@@ -7840,7 +7840,7 @@
           <p:cNvPr id="23" name="TextBox 22">
             <a:extLst>
               <a:ext uri="{FF2B5EF4-FFF2-40B4-BE49-F238E27FC236}">
-                <a16:creationId xmlns:a16="http://schemas.microsoft.com/office/drawing/2014/main" xmlns="" id="{F11B8799-7D05-4D90-A36E-89FE5566D518}"/>
+                <a16:creationId xmlns="" xmlns:a16="http://schemas.microsoft.com/office/drawing/2014/main" id="{F11B8799-7D05-4D90-A36E-89FE5566D518}"/>
               </a:ext>
             </a:extLst>
           </p:cNvPr>
@@ -7875,7 +7875,7 @@
           <p:cNvPr id="24" name="TextBox 23">
             <a:extLst>
               <a:ext uri="{FF2B5EF4-FFF2-40B4-BE49-F238E27FC236}">
-                <a16:creationId xmlns:a16="http://schemas.microsoft.com/office/drawing/2014/main" xmlns="" id="{9464461A-5F88-4273-ABA7-134746F40E29}"/>
+                <a16:creationId xmlns="" xmlns:a16="http://schemas.microsoft.com/office/drawing/2014/main" id="{9464461A-5F88-4273-ABA7-134746F40E29}"/>
               </a:ext>
             </a:extLst>
           </p:cNvPr>
@@ -7910,7 +7910,7 @@
           <p:cNvPr id="25" name="TextBox 24">
             <a:extLst>
               <a:ext uri="{FF2B5EF4-FFF2-40B4-BE49-F238E27FC236}">
-                <a16:creationId xmlns:a16="http://schemas.microsoft.com/office/drawing/2014/main" xmlns="" id="{8402B140-47E1-431A-B9C1-770CD85D1361}"/>
+                <a16:creationId xmlns="" xmlns:a16="http://schemas.microsoft.com/office/drawing/2014/main" id="{8402B140-47E1-431A-B9C1-770CD85D1361}"/>
               </a:ext>
             </a:extLst>
           </p:cNvPr>
@@ -7945,7 +7945,7 @@
           <p:cNvPr id="26" name="TextBox 25">
             <a:extLst>
               <a:ext uri="{FF2B5EF4-FFF2-40B4-BE49-F238E27FC236}">
-                <a16:creationId xmlns:a16="http://schemas.microsoft.com/office/drawing/2014/main" xmlns="" id="{1EE802EB-1364-4CE2-B5F7-6AAF6E3E7820}"/>
+                <a16:creationId xmlns="" xmlns:a16="http://schemas.microsoft.com/office/drawing/2014/main" id="{1EE802EB-1364-4CE2-B5F7-6AAF6E3E7820}"/>
               </a:ext>
             </a:extLst>
           </p:cNvPr>
@@ -7980,7 +7980,7 @@
           <p:cNvPr id="27" name="TextBox 26">
             <a:extLst>
               <a:ext uri="{FF2B5EF4-FFF2-40B4-BE49-F238E27FC236}">
-                <a16:creationId xmlns:a16="http://schemas.microsoft.com/office/drawing/2014/main" xmlns="" id="{F381B73E-3407-472A-91AE-6ACBFA7C9F4E}"/>
+                <a16:creationId xmlns="" xmlns:a16="http://schemas.microsoft.com/office/drawing/2014/main" id="{F381B73E-3407-472A-91AE-6ACBFA7C9F4E}"/>
               </a:ext>
             </a:extLst>
           </p:cNvPr>
@@ -8015,7 +8015,7 @@
           <p:cNvPr id="28" name="TextBox 27">
             <a:extLst>
               <a:ext uri="{FF2B5EF4-FFF2-40B4-BE49-F238E27FC236}">
-                <a16:creationId xmlns:a16="http://schemas.microsoft.com/office/drawing/2014/main" xmlns="" id="{EC990C87-6176-41BA-8C7B-8EAE9A1D52B3}"/>
+                <a16:creationId xmlns="" xmlns:a16="http://schemas.microsoft.com/office/drawing/2014/main" id="{EC990C87-6176-41BA-8C7B-8EAE9A1D52B3}"/>
               </a:ext>
             </a:extLst>
           </p:cNvPr>
@@ -8050,7 +8050,7 @@
           <p:cNvPr id="30" name="Arrow: Right 29">
             <a:extLst>
               <a:ext uri="{FF2B5EF4-FFF2-40B4-BE49-F238E27FC236}">
-                <a16:creationId xmlns:a16="http://schemas.microsoft.com/office/drawing/2014/main" xmlns="" id="{059A3E31-496C-4D05-8438-8FE613CD78D9}"/>
+                <a16:creationId xmlns="" xmlns:a16="http://schemas.microsoft.com/office/drawing/2014/main" id="{059A3E31-496C-4D05-8438-8FE613CD78D9}"/>
               </a:ext>
             </a:extLst>
           </p:cNvPr>
@@ -8096,7 +8096,7 @@
           <p:cNvPr id="32" name="TextBox 31">
             <a:extLst>
               <a:ext uri="{FF2B5EF4-FFF2-40B4-BE49-F238E27FC236}">
-                <a16:creationId xmlns:a16="http://schemas.microsoft.com/office/drawing/2014/main" xmlns="" id="{039602F0-B46A-41EF-A835-67C55A803710}"/>
+                <a16:creationId xmlns="" xmlns:a16="http://schemas.microsoft.com/office/drawing/2014/main" id="{039602F0-B46A-41EF-A835-67C55A803710}"/>
               </a:ext>
             </a:extLst>
           </p:cNvPr>
@@ -8131,7 +8131,7 @@
           <p:cNvPr id="48" name="Arrow: Right 47">
             <a:extLst>
               <a:ext uri="{FF2B5EF4-FFF2-40B4-BE49-F238E27FC236}">
-                <a16:creationId xmlns:a16="http://schemas.microsoft.com/office/drawing/2014/main" xmlns="" id="{36FB5C60-E5FD-4FC3-8608-842A9472A7EA}"/>
+                <a16:creationId xmlns="" xmlns:a16="http://schemas.microsoft.com/office/drawing/2014/main" id="{36FB5C60-E5FD-4FC3-8608-842A9472A7EA}"/>
               </a:ext>
             </a:extLst>
           </p:cNvPr>
@@ -8177,7 +8177,7 @@
           <p:cNvPr id="49" name="Arrow: Right 48">
             <a:extLst>
               <a:ext uri="{FF2B5EF4-FFF2-40B4-BE49-F238E27FC236}">
-                <a16:creationId xmlns:a16="http://schemas.microsoft.com/office/drawing/2014/main" xmlns="" id="{B102A1D7-D1C6-4F2C-820B-B393D685FB0D}"/>
+                <a16:creationId xmlns="" xmlns:a16="http://schemas.microsoft.com/office/drawing/2014/main" id="{B102A1D7-D1C6-4F2C-820B-B393D685FB0D}"/>
               </a:ext>
             </a:extLst>
           </p:cNvPr>
@@ -8223,7 +8223,7 @@
           <p:cNvPr id="50" name="Arrow: Right 49">
             <a:extLst>
               <a:ext uri="{FF2B5EF4-FFF2-40B4-BE49-F238E27FC236}">
-                <a16:creationId xmlns:a16="http://schemas.microsoft.com/office/drawing/2014/main" xmlns="" id="{BDD33A51-8ADE-4705-B623-C4823372CF17}"/>
+                <a16:creationId xmlns="" xmlns:a16="http://schemas.microsoft.com/office/drawing/2014/main" id="{BDD33A51-8ADE-4705-B623-C4823372CF17}"/>
               </a:ext>
             </a:extLst>
           </p:cNvPr>
@@ -8269,7 +8269,7 @@
           <p:cNvPr id="51" name="Arrow: Right 50">
             <a:extLst>
               <a:ext uri="{FF2B5EF4-FFF2-40B4-BE49-F238E27FC236}">
-                <a16:creationId xmlns:a16="http://schemas.microsoft.com/office/drawing/2014/main" xmlns="" id="{AC6BDCB5-7E09-4118-9558-52391B971E10}"/>
+                <a16:creationId xmlns="" xmlns:a16="http://schemas.microsoft.com/office/drawing/2014/main" id="{AC6BDCB5-7E09-4118-9558-52391B971E10}"/>
               </a:ext>
             </a:extLst>
           </p:cNvPr>
@@ -8315,7 +8315,7 @@
           <p:cNvPr id="52" name="Arrow: Right 51">
             <a:extLst>
               <a:ext uri="{FF2B5EF4-FFF2-40B4-BE49-F238E27FC236}">
-                <a16:creationId xmlns:a16="http://schemas.microsoft.com/office/drawing/2014/main" xmlns="" id="{12983E83-2176-46FC-BC3B-A49A75E21AC3}"/>
+                <a16:creationId xmlns="" xmlns:a16="http://schemas.microsoft.com/office/drawing/2014/main" id="{12983E83-2176-46FC-BC3B-A49A75E21AC3}"/>
               </a:ext>
             </a:extLst>
           </p:cNvPr>
@@ -8361,7 +8361,7 @@
           <p:cNvPr id="53" name="Arrow: Right 52">
             <a:extLst>
               <a:ext uri="{FF2B5EF4-FFF2-40B4-BE49-F238E27FC236}">
-                <a16:creationId xmlns:a16="http://schemas.microsoft.com/office/drawing/2014/main" xmlns="" id="{1FECACDD-E3C5-422C-9984-89A9C8CA3966}"/>
+                <a16:creationId xmlns="" xmlns:a16="http://schemas.microsoft.com/office/drawing/2014/main" id="{1FECACDD-E3C5-422C-9984-89A9C8CA3966}"/>
               </a:ext>
             </a:extLst>
           </p:cNvPr>
@@ -8407,7 +8407,7 @@
           <p:cNvPr id="54" name="Arrow: Right 53">
             <a:extLst>
               <a:ext uri="{FF2B5EF4-FFF2-40B4-BE49-F238E27FC236}">
-                <a16:creationId xmlns:a16="http://schemas.microsoft.com/office/drawing/2014/main" xmlns="" id="{35099A3B-923F-4989-A192-480D1AB319CC}"/>
+                <a16:creationId xmlns="" xmlns:a16="http://schemas.microsoft.com/office/drawing/2014/main" id="{35099A3B-923F-4989-A192-480D1AB319CC}"/>
               </a:ext>
             </a:extLst>
           </p:cNvPr>
@@ -8453,7 +8453,7 @@
           <p:cNvPr id="55" name="TextBox 54">
             <a:extLst>
               <a:ext uri="{FF2B5EF4-FFF2-40B4-BE49-F238E27FC236}">
-                <a16:creationId xmlns:a16="http://schemas.microsoft.com/office/drawing/2014/main" xmlns="" id="{857098C2-3F26-4443-B0DD-EAA545934BC9}"/>
+                <a16:creationId xmlns="" xmlns:a16="http://schemas.microsoft.com/office/drawing/2014/main" id="{857098C2-3F26-4443-B0DD-EAA545934BC9}"/>
               </a:ext>
             </a:extLst>
           </p:cNvPr>
@@ -8488,7 +8488,7 @@
           <p:cNvPr id="56" name="Arrow: Right 55">
             <a:extLst>
               <a:ext uri="{FF2B5EF4-FFF2-40B4-BE49-F238E27FC236}">
-                <a16:creationId xmlns:a16="http://schemas.microsoft.com/office/drawing/2014/main" xmlns="" id="{8A8D1BED-4C89-4338-9548-145E8CE9F74E}"/>
+                <a16:creationId xmlns="" xmlns:a16="http://schemas.microsoft.com/office/drawing/2014/main" id="{8A8D1BED-4C89-4338-9548-145E8CE9F74E}"/>
               </a:ext>
             </a:extLst>
           </p:cNvPr>
@@ -8534,7 +8534,7 @@
           <p:cNvPr id="58" name="Picture 57">
             <a:extLst>
               <a:ext uri="{FF2B5EF4-FFF2-40B4-BE49-F238E27FC236}">
-                <a16:creationId xmlns:a16="http://schemas.microsoft.com/office/drawing/2014/main" xmlns="" id="{B0931DAC-226F-4B34-B43A-3BAA4B204E2D}"/>
+                <a16:creationId xmlns="" xmlns:a16="http://schemas.microsoft.com/office/drawing/2014/main" id="{B0931DAC-226F-4B34-B43A-3BAA4B204E2D}"/>
               </a:ext>
             </a:extLst>
           </p:cNvPr>
@@ -8570,7 +8570,7 @@
           <p:cNvPr id="60" name="Picture 59">
             <a:extLst>
               <a:ext uri="{FF2B5EF4-FFF2-40B4-BE49-F238E27FC236}">
-                <a16:creationId xmlns:a16="http://schemas.microsoft.com/office/drawing/2014/main" xmlns="" id="{1ED07000-F501-4A15-86D8-EE855DBF456F}"/>
+                <a16:creationId xmlns="" xmlns:a16="http://schemas.microsoft.com/office/drawing/2014/main" id="{1ED07000-F501-4A15-86D8-EE855DBF456F}"/>
               </a:ext>
             </a:extLst>
           </p:cNvPr>
@@ -8656,13 +8656,13 @@
       </p:sp>
       <p:pic>
         <p:nvPicPr>
-          <p:cNvPr id="3" name="Picture 2"/>
+          <p:cNvPr id="5" name="Picture 4"/>
           <p:cNvPicPr>
             <a:picLocks noChangeAspect="1"/>
           </p:cNvPicPr>
           <p:nvPr/>
         </p:nvPicPr>
-        <p:blipFill>
+        <p:blipFill rotWithShape="1">
           <a:blip r:embed="rId2">
             <a:extLst>
               <a:ext uri="{28A0092B-C50C-407E-A947-70E740481C1C}">
@@ -8670,14 +8670,13 @@
               </a:ext>
             </a:extLst>
           </a:blip>
-          <a:stretch>
-            <a:fillRect/>
-          </a:stretch>
+          <a:srcRect b="33715"/>
+          <a:stretch/>
         </p:blipFill>
         <p:spPr>
           <a:xfrm>
-            <a:off x="0" y="2313189"/>
-            <a:ext cx="12237337" cy="2799724"/>
+            <a:off x="106760" y="1930400"/>
+            <a:ext cx="11926964" cy="3181081"/>
           </a:xfrm>
           <a:prstGeom prst="rect">
             <a:avLst/>
